--- a/Presentation.pptx
+++ b/Presentation.pptx
@@ -287,7 +287,7 @@
           <a:p>
             <a:fld id="{02AC24A9-CCB6-4F8D-B8DB-C2F3692CFA5A}" type="datetimeFigureOut">
               <a:rPr lang="en-US" smtClean="0"/>
-              <a:t>7/12/24</a:t>
+              <a:t>7/13/24</a:t>
             </a:fld>
             <a:endParaRPr lang="en-US" dirty="0"/>
           </a:p>
@@ -657,7 +657,7 @@
           <a:p>
             <a:fld id="{02AC24A9-CCB6-4F8D-B8DB-C2F3692CFA5A}" type="datetimeFigureOut">
               <a:rPr lang="en-US" smtClean="0"/>
-              <a:t>7/12/24</a:t>
+              <a:t>7/13/24</a:t>
             </a:fld>
             <a:endParaRPr lang="en-US"/>
           </a:p>
@@ -866,7 +866,7 @@
           <a:p>
             <a:fld id="{02AC24A9-CCB6-4F8D-B8DB-C2F3692CFA5A}" type="datetimeFigureOut">
               <a:rPr lang="en-US" smtClean="0"/>
-              <a:t>7/12/24</a:t>
+              <a:t>7/13/24</a:t>
             </a:fld>
             <a:endParaRPr lang="en-US"/>
           </a:p>
@@ -1336,7 +1336,7 @@
           <a:p>
             <a:fld id="{02AC24A9-CCB6-4F8D-B8DB-C2F3692CFA5A}" type="datetimeFigureOut">
               <a:rPr lang="en-US" smtClean="0"/>
-              <a:t>7/12/24</a:t>
+              <a:t>7/13/24</a:t>
             </a:fld>
             <a:endParaRPr lang="en-US"/>
           </a:p>
@@ -1790,7 +1790,7 @@
           <a:p>
             <a:fld id="{02AC24A9-CCB6-4F8D-B8DB-C2F3692CFA5A}" type="datetimeFigureOut">
               <a:rPr lang="en-US" smtClean="0"/>
-              <a:t>7/12/24</a:t>
+              <a:t>7/13/24</a:t>
             </a:fld>
             <a:endParaRPr lang="en-US"/>
           </a:p>
@@ -2322,7 +2322,7 @@
           <a:p>
             <a:fld id="{02AC24A9-CCB6-4F8D-B8DB-C2F3692CFA5A}" type="datetimeFigureOut">
               <a:rPr lang="en-US" smtClean="0"/>
-              <a:t>7/12/24</a:t>
+              <a:t>7/13/24</a:t>
             </a:fld>
             <a:endParaRPr lang="en-US"/>
           </a:p>
@@ -3021,7 +3021,7 @@
           <a:p>
             <a:fld id="{02AC24A9-CCB6-4F8D-B8DB-C2F3692CFA5A}" type="datetimeFigureOut">
               <a:rPr lang="en-US" smtClean="0"/>
-              <a:t>7/12/24</a:t>
+              <a:t>7/13/24</a:t>
             </a:fld>
             <a:endParaRPr lang="en-US"/>
           </a:p>
@@ -3350,7 +3350,7 @@
           <a:p>
             <a:fld id="{02AC24A9-CCB6-4F8D-B8DB-C2F3692CFA5A}" type="datetimeFigureOut">
               <a:rPr lang="en-US" smtClean="0"/>
-              <a:t>7/12/24</a:t>
+              <a:t>7/13/24</a:t>
             </a:fld>
             <a:endParaRPr lang="en-US"/>
           </a:p>
@@ -3463,7 +3463,7 @@
           <a:p>
             <a:fld id="{02AC24A9-CCB6-4F8D-B8DB-C2F3692CFA5A}" type="datetimeFigureOut">
               <a:rPr lang="en-US" smtClean="0"/>
-              <a:t>7/12/24</a:t>
+              <a:t>7/13/24</a:t>
             </a:fld>
             <a:endParaRPr lang="en-US"/>
           </a:p>
@@ -3958,7 +3958,7 @@
           <a:p>
             <a:fld id="{02AC24A9-CCB6-4F8D-B8DB-C2F3692CFA5A}" type="datetimeFigureOut">
               <a:rPr lang="en-US" smtClean="0"/>
-              <a:t>7/12/24</a:t>
+              <a:t>7/13/24</a:t>
             </a:fld>
             <a:endParaRPr lang="en-US" dirty="0"/>
           </a:p>
@@ -4435,7 +4435,7 @@
           <a:p>
             <a:fld id="{02AC24A9-CCB6-4F8D-B8DB-C2F3692CFA5A}" type="datetimeFigureOut">
               <a:rPr lang="en-US" smtClean="0"/>
-              <a:t>7/12/24</a:t>
+              <a:t>7/13/24</a:t>
             </a:fld>
             <a:endParaRPr lang="en-US"/>
           </a:p>
@@ -4678,7 +4678,7 @@
           <a:p>
             <a:fld id="{02AC24A9-CCB6-4F8D-B8DB-C2F3692CFA5A}" type="datetimeFigureOut">
               <a:rPr lang="en-US" smtClean="0"/>
-              <a:t>7/12/24</a:t>
+              <a:t>7/13/24</a:t>
             </a:fld>
             <a:endParaRPr lang="en-US"/>
           </a:p>
@@ -7146,21 +7146,7 @@
                 <a:latin typeface="Times New Roman" panose="02020603050405020304" pitchFamily="18" charset="0"/>
                 <a:cs typeface="Times New Roman" panose="02020603050405020304" pitchFamily="18" charset="0"/>
               </a:rPr>
-              <a:t> </a:t>
-            </a:r>
-            <a:r>
-              <a:rPr lang="en-US" dirty="0" err="1">
-                <a:latin typeface="Times New Roman" panose="02020603050405020304" pitchFamily="18" charset="0"/>
-                <a:cs typeface="Times New Roman" panose="02020603050405020304" pitchFamily="18" charset="0"/>
-              </a:rPr>
-              <a:t>Techical</a:t>
-            </a:r>
-            <a:r>
-              <a:rPr lang="en-US" dirty="0">
-                <a:latin typeface="Times New Roman" panose="02020603050405020304" pitchFamily="18" charset="0"/>
-                <a:cs typeface="Times New Roman" panose="02020603050405020304" pitchFamily="18" charset="0"/>
-              </a:rPr>
-              <a:t> Stack Overview </a:t>
+              <a:t> Technical Stack Overview </a:t>
             </a:r>
           </a:p>
           <a:p>
